--- a/Project10_第三組_小組報告/Project10_第三組_小組報告.pptx
+++ b/Project10_第三組_小組報告/Project10_第三組_小組報告.pptx
@@ -717,7 +717,7 @@
           <a:p>
             <a:fld id="{6B19A529-55D4-4564-870F-7E1F5FE8EC0E}" type="datetimeFigureOut">
               <a:rPr lang="zh-TW" altLang="en-US" smtClean="0"/>
-              <a:t>2021/6/12</a:t>
+              <a:t>2021/6/14</a:t>
             </a:fld>
             <a:endParaRPr lang="zh-TW" altLang="en-US"/>
           </a:p>
@@ -1210,7 +1210,7 @@
           <a:p>
             <a:fld id="{CB1A9A4B-8109-4FCA-A4B8-DC1246F1A173}" type="datetimeFigureOut">
               <a:rPr lang="zh-TW" altLang="en-US" smtClean="0"/>
-              <a:t>2021/6/12</a:t>
+              <a:t>2021/6/14</a:t>
             </a:fld>
             <a:endParaRPr lang="zh-TW" altLang="en-US"/>
           </a:p>
@@ -1418,7 +1418,7 @@
           <a:p>
             <a:fld id="{CB1A9A4B-8109-4FCA-A4B8-DC1246F1A173}" type="datetimeFigureOut">
               <a:rPr lang="zh-TW" altLang="en-US" smtClean="0"/>
-              <a:t>2021/6/12</a:t>
+              <a:t>2021/6/14</a:t>
             </a:fld>
             <a:endParaRPr lang="zh-TW" altLang="en-US"/>
           </a:p>
@@ -1674,7 +1674,7 @@
           <a:p>
             <a:fld id="{CB1A9A4B-8109-4FCA-A4B8-DC1246F1A173}" type="datetimeFigureOut">
               <a:rPr lang="zh-TW" altLang="en-US" smtClean="0"/>
-              <a:t>2021/6/12</a:t>
+              <a:t>2021/6/14</a:t>
             </a:fld>
             <a:endParaRPr lang="zh-TW" altLang="en-US"/>
           </a:p>
@@ -1844,7 +1844,7 @@
           <a:p>
             <a:fld id="{CB1A9A4B-8109-4FCA-A4B8-DC1246F1A173}" type="datetimeFigureOut">
               <a:rPr lang="zh-TW" altLang="en-US" smtClean="0"/>
-              <a:t>2021/6/12</a:t>
+              <a:t>2021/6/14</a:t>
             </a:fld>
             <a:endParaRPr lang="zh-TW" altLang="en-US"/>
           </a:p>
@@ -2187,7 +2187,7 @@
           <a:p>
             <a:fld id="{CB1A9A4B-8109-4FCA-A4B8-DC1246F1A173}" type="datetimeFigureOut">
               <a:rPr lang="zh-TW" altLang="en-US" smtClean="0"/>
-              <a:t>2021/6/12</a:t>
+              <a:t>2021/6/14</a:t>
             </a:fld>
             <a:endParaRPr lang="zh-TW" altLang="en-US"/>
           </a:p>
@@ -2462,7 +2462,7 @@
           <a:p>
             <a:fld id="{CB1A9A4B-8109-4FCA-A4B8-DC1246F1A173}" type="datetimeFigureOut">
               <a:rPr lang="zh-TW" altLang="en-US" smtClean="0"/>
-              <a:t>2021/6/12</a:t>
+              <a:t>2021/6/14</a:t>
             </a:fld>
             <a:endParaRPr lang="zh-TW" altLang="en-US"/>
           </a:p>
@@ -2841,7 +2841,7 @@
           <a:p>
             <a:fld id="{CB1A9A4B-8109-4FCA-A4B8-DC1246F1A173}" type="datetimeFigureOut">
               <a:rPr lang="zh-TW" altLang="en-US" smtClean="0"/>
-              <a:t>2021/6/12</a:t>
+              <a:t>2021/6/14</a:t>
             </a:fld>
             <a:endParaRPr lang="zh-TW" altLang="en-US"/>
           </a:p>
@@ -2959,7 +2959,7 @@
           <a:p>
             <a:fld id="{CB1A9A4B-8109-4FCA-A4B8-DC1246F1A173}" type="datetimeFigureOut">
               <a:rPr lang="zh-TW" altLang="en-US" smtClean="0"/>
-              <a:t>2021/6/12</a:t>
+              <a:t>2021/6/14</a:t>
             </a:fld>
             <a:endParaRPr lang="zh-TW" altLang="en-US"/>
           </a:p>
@@ -3130,7 +3130,7 @@
           <a:p>
             <a:fld id="{CB1A9A4B-8109-4FCA-A4B8-DC1246F1A173}" type="datetimeFigureOut">
               <a:rPr lang="zh-TW" altLang="en-US" smtClean="0"/>
-              <a:t>2021/6/12</a:t>
+              <a:t>2021/6/14</a:t>
             </a:fld>
             <a:endParaRPr lang="zh-TW" altLang="en-US"/>
           </a:p>
@@ -3484,7 +3484,7 @@
           <a:p>
             <a:fld id="{CB1A9A4B-8109-4FCA-A4B8-DC1246F1A173}" type="datetimeFigureOut">
               <a:rPr lang="zh-TW" altLang="en-US" smtClean="0"/>
-              <a:t>2021/6/12</a:t>
+              <a:t>2021/6/14</a:t>
             </a:fld>
             <a:endParaRPr lang="zh-TW" altLang="en-US"/>
           </a:p>
@@ -3861,7 +3861,7 @@
           <a:p>
             <a:fld id="{CB1A9A4B-8109-4FCA-A4B8-DC1246F1A173}" type="datetimeFigureOut">
               <a:rPr lang="zh-TW" altLang="en-US" smtClean="0"/>
-              <a:t>2021/6/12</a:t>
+              <a:t>2021/6/14</a:t>
             </a:fld>
             <a:endParaRPr lang="zh-TW" altLang="en-US"/>
           </a:p>
@@ -4148,7 +4148,7 @@
           <a:p>
             <a:fld id="{CB1A9A4B-8109-4FCA-A4B8-DC1246F1A173}" type="datetimeFigureOut">
               <a:rPr lang="zh-TW" altLang="en-US" smtClean="0"/>
-              <a:t>2021/6/12</a:t>
+              <a:t>2021/6/14</a:t>
             </a:fld>
             <a:endParaRPr lang="zh-TW" altLang="en-US"/>
           </a:p>
@@ -4905,9 +4905,19 @@
             </a:r>
             <a:r>
               <a:rPr lang="zh-TW" altLang="en-US" dirty="0"/>
-              <a:t>，上網搜尋後，發現要先安裝相關的套件。網路上關於參數調整的資料很少，所以需要靠自己摸索調整數字，沒有辦法參考一下大概的方向。</a:t>
-            </a:r>
-            <a:endParaRPr lang="en-US" altLang="zh-TW" dirty="0"/>
+              <a:t>，</a:t>
+            </a:r>
+            <a:r>
+              <a:rPr lang="zh-TW" altLang="en-US" dirty="0">
+                <a:latin typeface="微軟正黑體" panose="020B0604030504040204" pitchFamily="34" charset="-120"/>
+                <a:ea typeface="微軟正黑體" panose="020B0604030504040204" pitchFamily="34" charset="-120"/>
+              </a:rPr>
+              <a:t>上網搜尋後，發現要先安裝相關的套件。網路上關於參數調整的資料很少，所以需要靠自己摸索調整數字，沒有辦法參考一下大概的方向。</a:t>
+            </a:r>
+            <a:endParaRPr lang="en-US" altLang="zh-TW" dirty="0">
+              <a:latin typeface="微軟正黑體" panose="020B0604030504040204" pitchFamily="34" charset="-120"/>
+              <a:ea typeface="微軟正黑體" panose="020B0604030504040204" pitchFamily="34" charset="-120"/>
+            </a:endParaRPr>
           </a:p>
           <a:p>
             <a:pPr marL="0" indent="0">
@@ -4917,18 +4927,30 @@
               <a:buNone/>
             </a:pPr>
             <a:r>
-              <a:rPr lang="zh-TW" altLang="en-US" dirty="0"/>
+              <a:rPr lang="zh-TW" altLang="en-US" dirty="0">
+                <a:latin typeface="微軟正黑體" panose="020B0604030504040204" pitchFamily="34" charset="-120"/>
+                <a:ea typeface="微軟正黑體" panose="020B0604030504040204" pitchFamily="34" charset="-120"/>
+              </a:rPr>
               <a:t>另外，一次訓練的時間大概需要三個小時以上，讓參數的調整與結果需要很長時間的等待，無法讓同樣的數據多跑幾次來確認正確性，</a:t>
             </a:r>
             <a:r>
-              <a:rPr lang="en-US" altLang="zh-TW" dirty="0"/>
+              <a:rPr lang="en-US" altLang="zh-TW" dirty="0">
+                <a:latin typeface="微軟正黑體" panose="020B0604030504040204" pitchFamily="34" charset="-120"/>
+                <a:ea typeface="微軟正黑體" panose="020B0604030504040204" pitchFamily="34" charset="-120"/>
+              </a:rPr>
               <a:t>GPU</a:t>
             </a:r>
             <a:r>
-              <a:rPr lang="zh-TW" altLang="en-US" dirty="0"/>
+              <a:rPr lang="zh-TW" altLang="en-US" dirty="0">
+                <a:latin typeface="微軟正黑體" panose="020B0604030504040204" pitchFamily="34" charset="-120"/>
+                <a:ea typeface="微軟正黑體" panose="020B0604030504040204" pitchFamily="34" charset="-120"/>
+              </a:rPr>
               <a:t>有限制也不太夠。</a:t>
             </a:r>
-            <a:endParaRPr lang="en-US" altLang="zh-TW" dirty="0"/>
+            <a:endParaRPr lang="en-US" altLang="zh-TW" dirty="0">
+              <a:latin typeface="微軟正黑體" panose="020B0604030504040204" pitchFamily="34" charset="-120"/>
+              <a:ea typeface="微軟正黑體" panose="020B0604030504040204" pitchFamily="34" charset="-120"/>
+            </a:endParaRPr>
           </a:p>
           <a:p>
             <a:pPr marL="0" indent="0">
@@ -4937,13 +4959,19 @@
               </a:lnSpc>
               <a:buNone/>
             </a:pPr>
-            <a:endParaRPr lang="en-US" altLang="zh-TW" dirty="0"/>
+            <a:endParaRPr lang="en-US" altLang="zh-TW" dirty="0">
+              <a:latin typeface="微軟正黑體" panose="020B0604030504040204" pitchFamily="34" charset="-120"/>
+              <a:ea typeface="微軟正黑體" panose="020B0604030504040204" pitchFamily="34" charset="-120"/>
+            </a:endParaRPr>
           </a:p>
           <a:p>
             <a:pPr marL="0" indent="0">
               <a:buNone/>
             </a:pPr>
-            <a:endParaRPr lang="en-US" altLang="zh-TW" dirty="0"/>
+            <a:endParaRPr lang="en-US" altLang="zh-TW" dirty="0">
+              <a:latin typeface="微軟正黑體" panose="020B0604030504040204" pitchFamily="34" charset="-120"/>
+              <a:ea typeface="微軟正黑體" panose="020B0604030504040204" pitchFamily="34" charset="-120"/>
+            </a:endParaRPr>
           </a:p>
           <a:p>
             <a:pPr marL="0" indent="0">
@@ -5007,6 +5035,14 @@
           <a:bodyPr/>
           <a:lstStyle/>
           <a:p>
+            <a:r>
+              <a:rPr lang="en-US" altLang="zh-TW" dirty="0">
+                <a:solidFill>
+                  <a:srgbClr val="0070C0"/>
+                </a:solidFill>
+              </a:rPr>
+              <a:t/>
+            </a:r>
             <a:br>
               <a:rPr lang="en-US" altLang="zh-TW" dirty="0">
                 <a:solidFill>
@@ -5339,13 +5375,16 @@
               <a:t>討論分析</a:t>
             </a:r>
             <a:r>
-              <a:rPr lang="zh-TW" altLang="en-US" sz="1800" dirty="0"/>
+              <a:rPr lang="zh-TW" altLang="en-US" sz="2000" dirty="0">
+                <a:solidFill>
+                  <a:schemeClr val="tx1"/>
+                </a:solidFill>
+                <a:latin typeface="微軟正黑體" panose="020B0604030504040204" pitchFamily="34" charset="-120"/>
+                <a:ea typeface="微軟正黑體" panose="020B0604030504040204" pitchFamily="34" charset="-120"/>
+                <a:cs typeface="+mn-cs"/>
+              </a:rPr>
               <a:t>預測準確率，可能原因及改進方法等等</a:t>
             </a:r>
-            <a:endParaRPr lang="zh-TW" altLang="en-US" sz="1800" dirty="0">
-              <a:latin typeface="微軟正黑體" panose="020B0604030504040204" pitchFamily="34" charset="-120"/>
-              <a:ea typeface="微軟正黑體" panose="020B0604030504040204" pitchFamily="34" charset="-120"/>
-            </a:endParaRPr>
           </a:p>
         </p:txBody>
       </p:sp>
@@ -5388,16 +5427,24 @@
               <a:t>原本只有</a:t>
             </a:r>
             <a:r>
-              <a:rPr lang="en-US" altLang="zh-TW" dirty="0" err="1"/>
+              <a:rPr lang="en-US" altLang="zh-TW" dirty="0" err="1">
+                <a:solidFill>
+                  <a:schemeClr val="tx1"/>
+                </a:solidFill>
+                <a:latin typeface="微軟正黑體" panose="020B0604030504040204" pitchFamily="34" charset="-120"/>
+                <a:ea typeface="微軟正黑體" panose="020B0604030504040204" pitchFamily="34" charset="-120"/>
+              </a:rPr>
               <a:t>num_epochs</a:t>
             </a:r>
             <a:r>
-              <a:rPr lang="en-US" altLang="zh-TW" dirty="0"/>
+              <a:rPr lang="en-US" altLang="zh-TW" dirty="0">
+                <a:solidFill>
+                  <a:schemeClr val="tx1"/>
+                </a:solidFill>
+                <a:latin typeface="微軟正黑體" panose="020B0604030504040204" pitchFamily="34" charset="-120"/>
+                <a:ea typeface="微軟正黑體" panose="020B0604030504040204" pitchFamily="34" charset="-120"/>
+              </a:rPr>
               <a:t> </a:t>
-            </a:r>
-            <a:r>
-              <a:rPr lang="zh-TW" altLang="en-US" dirty="0"/>
-              <a:t>，</a:t>
             </a:r>
             <a:r>
               <a:rPr lang="zh-TW" altLang="en-US" dirty="0">
@@ -5407,94 +5454,226 @@
                 <a:latin typeface="微軟正黑體" panose="020B0604030504040204" pitchFamily="34" charset="-120"/>
                 <a:ea typeface="微軟正黑體" panose="020B0604030504040204" pitchFamily="34" charset="-120"/>
               </a:rPr>
-              <a:t>加了 </a:t>
-            </a:r>
-            <a:r>
-              <a:rPr lang="en-US" altLang="zh-TW" dirty="0" err="1"/>
+              <a:t>，加了 </a:t>
+            </a:r>
+            <a:r>
+              <a:rPr lang="en-US" altLang="zh-TW" dirty="0" err="1">
+                <a:solidFill>
+                  <a:schemeClr val="tx1"/>
+                </a:solidFill>
+                <a:latin typeface="微軟正黑體" panose="020B0604030504040204" pitchFamily="34" charset="-120"/>
+                <a:ea typeface="微軟正黑體" panose="020B0604030504040204" pitchFamily="34" charset="-120"/>
+              </a:rPr>
               <a:t>g_learning_rate</a:t>
             </a:r>
             <a:r>
-              <a:rPr lang="zh-TW" altLang="en-US" dirty="0"/>
+              <a:rPr lang="zh-TW" altLang="en-US" dirty="0">
+                <a:solidFill>
+                  <a:schemeClr val="tx1"/>
+                </a:solidFill>
+                <a:latin typeface="微軟正黑體" panose="020B0604030504040204" pitchFamily="34" charset="-120"/>
+                <a:ea typeface="微軟正黑體" panose="020B0604030504040204" pitchFamily="34" charset="-120"/>
+              </a:rPr>
               <a:t> 與 </a:t>
             </a:r>
             <a:r>
-              <a:rPr lang="en-US" altLang="zh-TW" dirty="0" err="1"/>
+              <a:rPr lang="en-US" altLang="zh-TW" dirty="0" err="1">
+                <a:solidFill>
+                  <a:schemeClr val="tx1"/>
+                </a:solidFill>
+                <a:latin typeface="微軟正黑體" panose="020B0604030504040204" pitchFamily="34" charset="-120"/>
+                <a:ea typeface="微軟正黑體" panose="020B0604030504040204" pitchFamily="34" charset="-120"/>
+              </a:rPr>
               <a:t>g_learning_rate</a:t>
             </a:r>
             <a:r>
-              <a:rPr lang="zh-TW" altLang="en-US" dirty="0"/>
+              <a:rPr lang="zh-TW" altLang="en-US" dirty="0">
+                <a:solidFill>
+                  <a:schemeClr val="tx1"/>
+                </a:solidFill>
+                <a:latin typeface="微軟正黑體" panose="020B0604030504040204" pitchFamily="34" charset="-120"/>
+                <a:ea typeface="微軟正黑體" panose="020B0604030504040204" pitchFamily="34" charset="-120"/>
+              </a:rPr>
               <a:t> 調整</a:t>
             </a:r>
             <a:r>
-              <a:rPr lang="en-US" altLang="zh-TW" dirty="0"/>
+              <a:rPr lang="en-US" altLang="zh-TW" dirty="0">
+                <a:solidFill>
+                  <a:schemeClr val="tx1"/>
+                </a:solidFill>
+                <a:latin typeface="微軟正黑體" panose="020B0604030504040204" pitchFamily="34" charset="-120"/>
+                <a:ea typeface="微軟正黑體" panose="020B0604030504040204" pitchFamily="34" charset="-120"/>
+              </a:rPr>
               <a:t> Generator</a:t>
             </a:r>
             <a:r>
-              <a:rPr lang="zh-TW" altLang="en-US" dirty="0"/>
+              <a:rPr lang="zh-TW" altLang="en-US" dirty="0">
+                <a:solidFill>
+                  <a:schemeClr val="tx1"/>
+                </a:solidFill>
+                <a:latin typeface="微軟正黑體" panose="020B0604030504040204" pitchFamily="34" charset="-120"/>
+                <a:ea typeface="微軟正黑體" panose="020B0604030504040204" pitchFamily="34" charset="-120"/>
+              </a:rPr>
               <a:t> 與 </a:t>
             </a:r>
             <a:r>
-              <a:rPr lang="en-US" altLang="zh-TW" dirty="0"/>
+              <a:rPr lang="en-US" altLang="zh-TW" dirty="0">
+                <a:solidFill>
+                  <a:schemeClr val="tx1"/>
+                </a:solidFill>
+                <a:latin typeface="微軟正黑體" panose="020B0604030504040204" pitchFamily="34" charset="-120"/>
+                <a:ea typeface="微軟正黑體" panose="020B0604030504040204" pitchFamily="34" charset="-120"/>
+              </a:rPr>
               <a:t>Discriminator</a:t>
             </a:r>
             <a:r>
-              <a:rPr lang="zh-TW" altLang="en-US" dirty="0"/>
+              <a:rPr lang="zh-TW" altLang="en-US" dirty="0">
+                <a:solidFill>
+                  <a:schemeClr val="tx1"/>
+                </a:solidFill>
+                <a:latin typeface="微軟正黑體" panose="020B0604030504040204" pitchFamily="34" charset="-120"/>
+                <a:ea typeface="微軟正黑體" panose="020B0604030504040204" pitchFamily="34" charset="-120"/>
+              </a:rPr>
               <a:t>的幅度後，</a:t>
             </a:r>
             <a:r>
-              <a:rPr lang="en-US" altLang="zh-TW" dirty="0"/>
+              <a:rPr lang="en-US" altLang="zh-TW" dirty="0">
+                <a:solidFill>
+                  <a:schemeClr val="tx1"/>
+                </a:solidFill>
+                <a:latin typeface="微軟正黑體" panose="020B0604030504040204" pitchFamily="34" charset="-120"/>
+                <a:ea typeface="微軟正黑體" panose="020B0604030504040204" pitchFamily="34" charset="-120"/>
+              </a:rPr>
               <a:t>ADE</a:t>
             </a:r>
             <a:r>
-              <a:rPr lang="zh-TW" altLang="en-US" dirty="0"/>
+              <a:rPr lang="zh-TW" altLang="en-US" dirty="0">
+                <a:solidFill>
+                  <a:schemeClr val="tx1"/>
+                </a:solidFill>
+                <a:latin typeface="微軟正黑體" panose="020B0604030504040204" pitchFamily="34" charset="-120"/>
+                <a:ea typeface="微軟正黑體" panose="020B0604030504040204" pitchFamily="34" charset="-120"/>
+              </a:rPr>
               <a:t>與</a:t>
             </a:r>
             <a:r>
-              <a:rPr lang="en-US" altLang="zh-TW" dirty="0"/>
+              <a:rPr lang="en-US" altLang="zh-TW" dirty="0">
+                <a:solidFill>
+                  <a:schemeClr val="tx1"/>
+                </a:solidFill>
+                <a:latin typeface="微軟正黑體" panose="020B0604030504040204" pitchFamily="34" charset="-120"/>
+                <a:ea typeface="微軟正黑體" panose="020B0604030504040204" pitchFamily="34" charset="-120"/>
+              </a:rPr>
               <a:t>FDE</a:t>
             </a:r>
             <a:r>
-              <a:rPr lang="zh-TW" altLang="en-US" dirty="0"/>
+              <a:rPr lang="zh-TW" altLang="en-US" dirty="0">
+                <a:solidFill>
+                  <a:schemeClr val="tx1"/>
+                </a:solidFill>
+                <a:latin typeface="微軟正黑體" panose="020B0604030504040204" pitchFamily="34" charset="-120"/>
+                <a:ea typeface="微軟正黑體" panose="020B0604030504040204" pitchFamily="34" charset="-120"/>
+              </a:rPr>
               <a:t>反而上升，沒有減少誤差。而參數調整的比較，</a:t>
             </a:r>
             <a:r>
-              <a:rPr lang="en-US" altLang="zh-TW" dirty="0"/>
+              <a:rPr lang="en-US" altLang="zh-TW" dirty="0">
+                <a:solidFill>
+                  <a:schemeClr val="tx1"/>
+                </a:solidFill>
+                <a:latin typeface="微軟正黑體" panose="020B0604030504040204" pitchFamily="34" charset="-120"/>
+                <a:ea typeface="微軟正黑體" panose="020B0604030504040204" pitchFamily="34" charset="-120"/>
+              </a:rPr>
               <a:t> </a:t>
             </a:r>
             <a:r>
-              <a:rPr lang="zh-TW" altLang="en-US" dirty="0"/>
+              <a:rPr lang="zh-TW" altLang="en-US" dirty="0">
+                <a:solidFill>
+                  <a:schemeClr val="tx1"/>
+                </a:solidFill>
+                <a:latin typeface="微軟正黑體" panose="020B0604030504040204" pitchFamily="34" charset="-120"/>
+                <a:ea typeface="微軟正黑體" panose="020B0604030504040204" pitchFamily="34" charset="-120"/>
+              </a:rPr>
               <a:t>需要找到中間點才能成功降低</a:t>
             </a:r>
             <a:r>
-              <a:rPr lang="en-US" altLang="zh-TW" dirty="0"/>
+              <a:rPr lang="en-US" altLang="zh-TW" dirty="0">
+                <a:solidFill>
+                  <a:schemeClr val="tx1"/>
+                </a:solidFill>
+                <a:latin typeface="微軟正黑體" panose="020B0604030504040204" pitchFamily="34" charset="-120"/>
+                <a:ea typeface="微軟正黑體" panose="020B0604030504040204" pitchFamily="34" charset="-120"/>
+              </a:rPr>
               <a:t>ADE</a:t>
             </a:r>
             <a:r>
-              <a:rPr lang="zh-TW" altLang="en-US" dirty="0"/>
+              <a:rPr lang="zh-TW" altLang="en-US" dirty="0">
+                <a:solidFill>
+                  <a:schemeClr val="tx1"/>
+                </a:solidFill>
+                <a:latin typeface="微軟正黑體" panose="020B0604030504040204" pitchFamily="34" charset="-120"/>
+                <a:ea typeface="微軟正黑體" panose="020B0604030504040204" pitchFamily="34" charset="-120"/>
+              </a:rPr>
               <a:t>與</a:t>
             </a:r>
             <a:r>
-              <a:rPr lang="en-US" altLang="zh-TW" dirty="0"/>
+              <a:rPr lang="en-US" altLang="zh-TW" dirty="0">
+                <a:solidFill>
+                  <a:schemeClr val="tx1"/>
+                </a:solidFill>
+                <a:latin typeface="微軟正黑體" panose="020B0604030504040204" pitchFamily="34" charset="-120"/>
+                <a:ea typeface="微軟正黑體" panose="020B0604030504040204" pitchFamily="34" charset="-120"/>
+              </a:rPr>
               <a:t>FDE</a:t>
             </a:r>
             <a:r>
-              <a:rPr lang="zh-TW" altLang="en-US" dirty="0"/>
+              <a:rPr lang="zh-TW" altLang="en-US" dirty="0">
+                <a:solidFill>
+                  <a:schemeClr val="tx1"/>
+                </a:solidFill>
+                <a:latin typeface="微軟正黑體" panose="020B0604030504040204" pitchFamily="34" charset="-120"/>
+                <a:ea typeface="微軟正黑體" panose="020B0604030504040204" pitchFamily="34" charset="-120"/>
+              </a:rPr>
               <a:t>，太高或太低都會讓誤差增加。不過最後算出的</a:t>
             </a:r>
             <a:r>
-              <a:rPr lang="en-US" altLang="zh-TW" dirty="0"/>
+              <a:rPr lang="en-US" altLang="zh-TW" dirty="0">
+                <a:solidFill>
+                  <a:schemeClr val="tx1"/>
+                </a:solidFill>
+                <a:latin typeface="微軟正黑體" panose="020B0604030504040204" pitchFamily="34" charset="-120"/>
+                <a:ea typeface="微軟正黑體" panose="020B0604030504040204" pitchFamily="34" charset="-120"/>
+              </a:rPr>
               <a:t>ADE</a:t>
             </a:r>
             <a:r>
-              <a:rPr lang="zh-TW" altLang="en-US" dirty="0"/>
+              <a:rPr lang="zh-TW" altLang="en-US" dirty="0">
+                <a:solidFill>
+                  <a:schemeClr val="tx1"/>
+                </a:solidFill>
+                <a:latin typeface="微軟正黑體" panose="020B0604030504040204" pitchFamily="34" charset="-120"/>
+                <a:ea typeface="微軟正黑體" panose="020B0604030504040204" pitchFamily="34" charset="-120"/>
+              </a:rPr>
               <a:t>、</a:t>
             </a:r>
             <a:r>
-              <a:rPr lang="en-US" altLang="zh-TW" dirty="0"/>
+              <a:rPr lang="en-US" altLang="zh-TW" dirty="0">
+                <a:solidFill>
+                  <a:schemeClr val="tx1"/>
+                </a:solidFill>
+                <a:latin typeface="微軟正黑體" panose="020B0604030504040204" pitchFamily="34" charset="-120"/>
+                <a:ea typeface="微軟正黑體" panose="020B0604030504040204" pitchFamily="34" charset="-120"/>
+              </a:rPr>
               <a:t>FDE</a:t>
             </a:r>
             <a:r>
-              <a:rPr lang="zh-TW" altLang="en-US" dirty="0"/>
+              <a:rPr lang="zh-TW" altLang="en-US" dirty="0">
+                <a:solidFill>
+                  <a:schemeClr val="tx1"/>
+                </a:solidFill>
+                <a:latin typeface="微軟正黑體" panose="020B0604030504040204" pitchFamily="34" charset="-120"/>
+                <a:ea typeface="微軟正黑體" panose="020B0604030504040204" pitchFamily="34" charset="-120"/>
+              </a:rPr>
               <a:t>之間的差距都不是很大，似乎這兩個參數對結果的影響不是太大。</a:t>
             </a:r>
             <a:endParaRPr lang="en-US" altLang="zh-TW" dirty="0">
